--- a/PresentaciónCreaciónDePDF.pptx
+++ b/PresentaciónCreaciónDePDF.pptx
@@ -5,7 +5,7 @@
     <p:sldMasterId id="2147483950" r:id="rId1"/>
   </p:sldMasterIdLst>
   <p:notesMasterIdLst>
-    <p:notesMasterId r:id="rId16"/>
+    <p:notesMasterId r:id="rId18"/>
   </p:notesMasterIdLst>
   <p:sldIdLst>
     <p:sldId id="256" r:id="rId2"/>
@@ -21,7 +21,9 @@
     <p:sldId id="266" r:id="rId12"/>
     <p:sldId id="268" r:id="rId13"/>
     <p:sldId id="267" r:id="rId14"/>
-    <p:sldId id="269" r:id="rId15"/>
+    <p:sldId id="271" r:id="rId15"/>
+    <p:sldId id="269" r:id="rId16"/>
+    <p:sldId id="270" r:id="rId17"/>
   </p:sldIdLst>
   <p:sldSz cx="9144000" cy="6858000" type="screen4x3"/>
   <p:notesSz cx="7010400" cy="9296400"/>
@@ -205,7 +207,7 @@
           <a:p>
             <a:fld id="{3D85B651-E6E5-4594-A81B-05DC7D8D140B}" type="datetimeFigureOut">
               <a:rPr lang="es-ES" smtClean="0"/>
-              <a:t>19/02/2015</a:t>
+              <a:t>20/02/2015</a:t>
             </a:fld>
             <a:endParaRPr lang="es-ES"/>
           </a:p>
@@ -752,7 +754,7 @@
             <a:fld id="{04AF466F-BDA4-4F18-9C7B-FF0A9A1B0E80}" type="datetime1">
               <a:rPr lang="en-US" smtClean="0"/>
               <a:pPr/>
-              <a:t>2/19/2015</a:t>
+              <a:t>2/20/2015</a:t>
             </a:fld>
             <a:endParaRPr lang="en-US"/>
           </a:p>
@@ -919,7 +921,7 @@
             <a:fld id="{58FB4290-6522-4139-852E-05BD9E7F0D2E}" type="datetime1">
               <a:rPr lang="en-US" smtClean="0"/>
               <a:pPr/>
-              <a:t>2/19/2015</a:t>
+              <a:t>2/20/2015</a:t>
             </a:fld>
             <a:endParaRPr lang="en-US"/>
           </a:p>
@@ -1096,7 +1098,7 @@
             <a:fld id="{AAB955F9-81EA-47C5-8059-9E5C2B437C70}" type="datetime1">
               <a:rPr lang="en-US" smtClean="0"/>
               <a:pPr/>
-              <a:t>2/19/2015</a:t>
+              <a:t>2/20/2015</a:t>
             </a:fld>
             <a:endParaRPr lang="en-US"/>
           </a:p>
@@ -1263,7 +1265,7 @@
             <a:fld id="{1CEF607B-A47E-422C-9BEF-122CCDB7C526}" type="datetime1">
               <a:rPr lang="en-US" smtClean="0"/>
               <a:pPr/>
-              <a:t>2/19/2015</a:t>
+              <a:t>2/20/2015</a:t>
             </a:fld>
             <a:endParaRPr lang="en-US"/>
           </a:p>
@@ -1506,7 +1508,7 @@
             <a:fld id="{63A9A7CB-BEE6-4F99-898E-913F06E8E125}" type="datetime1">
               <a:rPr lang="en-US" smtClean="0"/>
               <a:pPr/>
-              <a:t>2/19/2015</a:t>
+              <a:t>2/20/2015</a:t>
             </a:fld>
             <a:endParaRPr lang="en-US"/>
           </a:p>
@@ -1791,7 +1793,7 @@
             <a:fld id="{B6EE300C-6FC5-4FC3-AF1A-075E4F50620D}" type="datetime1">
               <a:rPr lang="en-US" smtClean="0"/>
               <a:pPr/>
-              <a:t>2/19/2015</a:t>
+              <a:t>2/20/2015</a:t>
             </a:fld>
             <a:endParaRPr lang="en-US"/>
           </a:p>
@@ -2222,7 +2224,7 @@
             <a:fld id="{F50D295D-4A77-4DEB-B04C-9F4282A8BC04}" type="datetime1">
               <a:rPr lang="en-US" smtClean="0"/>
               <a:pPr/>
-              <a:t>2/19/2015</a:t>
+              <a:t>2/20/2015</a:t>
             </a:fld>
             <a:endParaRPr lang="en-US"/>
           </a:p>
@@ -2337,7 +2339,7 @@
             <a:fld id="{02B28685-4D0C-42D5-8013-B5904CD1FCBC}" type="datetime1">
               <a:rPr lang="en-US" smtClean="0"/>
               <a:pPr/>
-              <a:t>2/19/2015</a:t>
+              <a:t>2/20/2015</a:t>
             </a:fld>
             <a:endParaRPr lang="en-US"/>
           </a:p>
@@ -2429,7 +2431,7 @@
             <a:fld id="{FDF226C0-9885-4BA9-BBFA-A52CBFEBB775}" type="datetime1">
               <a:rPr lang="en-US" smtClean="0"/>
               <a:pPr/>
-              <a:t>2/19/2015</a:t>
+              <a:t>2/20/2015</a:t>
             </a:fld>
             <a:endParaRPr lang="en-US"/>
           </a:p>
@@ -2620,7 +2622,7 @@
             <a:fld id="{EBEE1B38-C5EB-4D66-9137-0AFE9CDEDE8F}" type="datetime1">
               <a:rPr lang="en-US" smtClean="0"/>
               <a:pPr/>
-              <a:t>2/19/2015</a:t>
+              <a:t>2/20/2015</a:t>
             </a:fld>
             <a:endParaRPr lang="en-US"/>
           </a:p>
@@ -2940,7 +2942,7 @@
             <a:fld id="{327B613C-1AD7-49D3-885D-F654C5CDBAA6}" type="datetime1">
               <a:rPr lang="en-US" smtClean="0"/>
               <a:pPr/>
-              <a:t>2/19/2015</a:t>
+              <a:t>2/20/2015</a:t>
             </a:fld>
             <a:endParaRPr lang="en-US" dirty="0"/>
           </a:p>
@@ -3322,7 +3324,7 @@
             <a:fld id="{327B613C-1AD7-49D3-885D-F654C5CDBAA6}" type="datetime1">
               <a:rPr lang="en-US" smtClean="0"/>
               <a:pPr/>
-              <a:t>2/19/2015</a:t>
+              <a:t>2/20/2015</a:t>
             </a:fld>
             <a:endParaRPr lang="en-US" dirty="0"/>
           </a:p>
@@ -4414,6 +4416,13 @@
   <p:clrMapOvr>
     <a:masterClrMapping/>
   </p:clrMapOvr>
+  <p:timing>
+    <p:tnLst>
+      <p:par>
+        <p:cTn id="1" dur="indefinite" restart="never" nodeType="tmRoot"/>
+      </p:par>
+    </p:tnLst>
+  </p:timing>
 </p:sld>
 </file>
 
@@ -4642,9 +4651,106 @@
           <a:p>
             <a:r>
               <a:rPr lang="es-ES" dirty="0" smtClean="0"/>
-              <a:t>Resultado</a:t>
+              <a:t>Añadir la librería</a:t>
             </a:r>
             <a:endParaRPr lang="es-ES" dirty="0"/>
+          </a:p>
+        </p:txBody>
+      </p:sp>
+      <p:sp>
+        <p:nvSpPr>
+          <p:cNvPr id="3" name="2 Marcador de contenido"/>
+          <p:cNvSpPr>
+            <a:spLocks noGrp="1"/>
+          </p:cNvSpPr>
+          <p:nvPr>
+            <p:ph idx="1"/>
+          </p:nvPr>
+        </p:nvSpPr>
+        <p:spPr/>
+        <p:txBody>
+          <a:bodyPr/>
+          <a:lstStyle/>
+          <a:p>
+            <a:pPr marL="571500" indent="-457200">
+              <a:buFont typeface="+mj-lt"/>
+              <a:buAutoNum type="arabicPeriod"/>
+            </a:pPr>
+            <a:r>
+              <a:rPr lang="es-ES" dirty="0" smtClean="0"/>
+              <a:t>Clic derecho en el proyecto.</a:t>
+            </a:r>
+          </a:p>
+          <a:p>
+            <a:pPr marL="571500" indent="-457200">
+              <a:buFont typeface="+mj-lt"/>
+              <a:buAutoNum type="arabicPeriod"/>
+            </a:pPr>
+            <a:r>
+              <a:rPr lang="es-ES" dirty="0" smtClean="0"/>
+              <a:t>Propiedades.</a:t>
+            </a:r>
+          </a:p>
+          <a:p>
+            <a:pPr marL="571500" indent="-457200">
+              <a:buFont typeface="+mj-lt"/>
+              <a:buAutoNum type="arabicPeriod"/>
+            </a:pPr>
+            <a:r>
+              <a:rPr lang="es-ES" b="1" dirty="0" smtClean="0"/>
+              <a:t>Java </a:t>
+            </a:r>
+            <a:r>
+              <a:rPr lang="es-ES" b="1" dirty="0" err="1" smtClean="0"/>
+              <a:t>build</a:t>
+            </a:r>
+            <a:r>
+              <a:rPr lang="es-ES" b="1" dirty="0" smtClean="0"/>
+              <a:t> </a:t>
+            </a:r>
+            <a:r>
+              <a:rPr lang="es-ES" b="1" dirty="0" err="1" smtClean="0"/>
+              <a:t>path</a:t>
+            </a:r>
+            <a:r>
+              <a:rPr lang="es-ES" dirty="0" smtClean="0"/>
+              <a:t>.</a:t>
+            </a:r>
+          </a:p>
+          <a:p>
+            <a:pPr marL="571500" indent="-457200">
+              <a:buFont typeface="+mj-lt"/>
+              <a:buAutoNum type="arabicPeriod"/>
+            </a:pPr>
+            <a:r>
+              <a:rPr lang="es-ES" b="1" dirty="0" err="1" smtClean="0"/>
+              <a:t>Add</a:t>
+            </a:r>
+            <a:r>
+              <a:rPr lang="es-ES" b="1" dirty="0" smtClean="0"/>
+              <a:t> </a:t>
+            </a:r>
+            <a:r>
+              <a:rPr lang="es-ES" b="1" dirty="0" err="1" smtClean="0"/>
+              <a:t>external</a:t>
+            </a:r>
+            <a:r>
+              <a:rPr lang="es-ES" b="1" dirty="0" smtClean="0"/>
+              <a:t> </a:t>
+            </a:r>
+            <a:r>
+              <a:rPr lang="es-ES" b="1" dirty="0" err="1" smtClean="0"/>
+              <a:t>jar</a:t>
+            </a:r>
+            <a:r>
+              <a:rPr lang="es-ES" b="1" dirty="0"/>
+              <a:t> </a:t>
+            </a:r>
+            <a:r>
+              <a:rPr lang="es-ES" dirty="0" smtClean="0"/>
+              <a:t>y ahí buscamos itext.jar</a:t>
+            </a:r>
+            <a:endParaRPr lang="es-ES" b="1" dirty="0"/>
           </a:p>
         </p:txBody>
       </p:sp>
@@ -4667,6 +4773,137 @@
               <a:rPr lang="en-US" smtClean="0"/>
               <a:pPr/>
               <a:t>14</a:t>
+            </a:fld>
+            <a:endParaRPr lang="en-US"/>
+          </a:p>
+        </p:txBody>
+      </p:sp>
+      <p:pic>
+        <p:nvPicPr>
+          <p:cNvPr id="1027" name="Picture 3"/>
+          <p:cNvPicPr>
+            <a:picLocks noChangeAspect="1" noChangeArrowheads="1"/>
+          </p:cNvPicPr>
+          <p:nvPr/>
+        </p:nvPicPr>
+        <p:blipFill>
+          <a:blip r:embed="rId2">
+            <a:extLst>
+              <a:ext uri="{28A0092B-C50C-407E-A947-70E740481C1C}">
+                <a14:useLocalDpi xmlns:a14="http://schemas.microsoft.com/office/drawing/2010/main" val="0"/>
+              </a:ext>
+            </a:extLst>
+          </a:blip>
+          <a:srcRect/>
+          <a:stretch>
+            <a:fillRect/>
+          </a:stretch>
+        </p:blipFill>
+        <p:spPr bwMode="auto">
+          <a:xfrm>
+            <a:off x="899592" y="3400425"/>
+            <a:ext cx="6915150" cy="3457575"/>
+          </a:xfrm>
+          <a:prstGeom prst="rect">
+            <a:avLst/>
+          </a:prstGeom>
+          <a:noFill/>
+          <a:ln>
+            <a:noFill/>
+          </a:ln>
+          <a:extLst>
+            <a:ext uri="{909E8E84-426E-40DD-AFC4-6F175D3DCCD1}">
+              <a14:hiddenFill xmlns:a14="http://schemas.microsoft.com/office/drawing/2010/main">
+                <a:solidFill>
+                  <a:schemeClr val="accent1"/>
+                </a:solidFill>
+              </a14:hiddenFill>
+            </a:ext>
+            <a:ext uri="{91240B29-F687-4F45-9708-019B960494DF}">
+              <a14:hiddenLine xmlns:a14="http://schemas.microsoft.com/office/drawing/2010/main" w="9525">
+                <a:solidFill>
+                  <a:schemeClr val="tx1"/>
+                </a:solidFill>
+                <a:miter lim="800000"/>
+                <a:headEnd/>
+                <a:tailEnd/>
+              </a14:hiddenLine>
+            </a:ext>
+          </a:extLst>
+        </p:spPr>
+      </p:pic>
+    </p:spTree>
+    <p:extLst>
+      <p:ext uri="{BB962C8B-B14F-4D97-AF65-F5344CB8AC3E}">
+        <p14:creationId xmlns:p14="http://schemas.microsoft.com/office/powerpoint/2010/main" val="1213133369"/>
+      </p:ext>
+    </p:extLst>
+  </p:cSld>
+  <p:clrMapOvr>
+    <a:masterClrMapping/>
+  </p:clrMapOvr>
+</p:sld>
+</file>
+
+<file path=ppt/slides/slide15.xml><?xml version="1.0" encoding="utf-8"?>
+<p:sld xmlns:a="http://schemas.openxmlformats.org/drawingml/2006/main" xmlns:r="http://schemas.openxmlformats.org/officeDocument/2006/relationships" xmlns:p="http://schemas.openxmlformats.org/presentationml/2006/main">
+  <p:cSld>
+    <p:spTree>
+      <p:nvGrpSpPr>
+        <p:cNvPr id="1" name=""/>
+        <p:cNvGrpSpPr/>
+        <p:nvPr/>
+      </p:nvGrpSpPr>
+      <p:grpSpPr>
+        <a:xfrm>
+          <a:off x="0" y="0"/>
+          <a:ext cx="0" cy="0"/>
+          <a:chOff x="0" y="0"/>
+          <a:chExt cx="0" cy="0"/>
+        </a:xfrm>
+      </p:grpSpPr>
+      <p:sp>
+        <p:nvSpPr>
+          <p:cNvPr id="2" name="1 Título"/>
+          <p:cNvSpPr>
+            <a:spLocks noGrp="1"/>
+          </p:cNvSpPr>
+          <p:nvPr>
+            <p:ph type="title"/>
+          </p:nvPr>
+        </p:nvSpPr>
+        <p:spPr/>
+        <p:txBody>
+          <a:bodyPr/>
+          <a:lstStyle/>
+          <a:p>
+            <a:r>
+              <a:rPr lang="es-ES" dirty="0" smtClean="0"/>
+              <a:t>Resultado</a:t>
+            </a:r>
+            <a:endParaRPr lang="es-ES" dirty="0"/>
+          </a:p>
+        </p:txBody>
+      </p:sp>
+      <p:sp>
+        <p:nvSpPr>
+          <p:cNvPr id="4" name="3 Marcador de número de diapositiva"/>
+          <p:cNvSpPr>
+            <a:spLocks noGrp="1"/>
+          </p:cNvSpPr>
+          <p:nvPr>
+            <p:ph type="sldNum" sz="quarter" idx="12"/>
+          </p:nvPr>
+        </p:nvSpPr>
+        <p:spPr/>
+        <p:txBody>
+          <a:bodyPr/>
+          <a:lstStyle/>
+          <a:p>
+            <a:fld id="{6E2D2B3B-882E-40F3-A32F-6DD516915044}" type="slidenum">
+              <a:rPr lang="en-US" smtClean="0"/>
+              <a:pPr/>
+              <a:t>15</a:t>
             </a:fld>
             <a:endParaRPr lang="en-US"/>
           </a:p>
@@ -4736,6 +4973,168 @@
   <p:clrMapOvr>
     <a:masterClrMapping/>
   </p:clrMapOvr>
+  <p:timing>
+    <p:tnLst>
+      <p:par>
+        <p:cTn id="1" dur="indefinite" restart="never" nodeType="tmRoot"/>
+      </p:par>
+    </p:tnLst>
+  </p:timing>
+</p:sld>
+</file>
+
+<file path=ppt/slides/slide16.xml><?xml version="1.0" encoding="utf-8"?>
+<p:sld xmlns:a="http://schemas.openxmlformats.org/drawingml/2006/main" xmlns:r="http://schemas.openxmlformats.org/officeDocument/2006/relationships" xmlns:p="http://schemas.openxmlformats.org/presentationml/2006/main">
+  <p:cSld>
+    <p:spTree>
+      <p:nvGrpSpPr>
+        <p:cNvPr id="1" name=""/>
+        <p:cNvGrpSpPr/>
+        <p:nvPr/>
+      </p:nvGrpSpPr>
+      <p:grpSpPr>
+        <a:xfrm>
+          <a:off x="0" y="0"/>
+          <a:ext cx="0" cy="0"/>
+          <a:chOff x="0" y="0"/>
+          <a:chExt cx="0" cy="0"/>
+        </a:xfrm>
+      </p:grpSpPr>
+      <p:sp>
+        <p:nvSpPr>
+          <p:cNvPr id="2" name="1 Título"/>
+          <p:cNvSpPr>
+            <a:spLocks noGrp="1"/>
+          </p:cNvSpPr>
+          <p:nvPr>
+            <p:ph type="title"/>
+          </p:nvPr>
+        </p:nvSpPr>
+        <p:spPr/>
+        <p:txBody>
+          <a:bodyPr/>
+          <a:lstStyle/>
+          <a:p>
+            <a:r>
+              <a:rPr lang="es-ES" b="1" dirty="0" smtClean="0"/>
+              <a:t>Bibliografía</a:t>
+            </a:r>
+            <a:endParaRPr lang="es-ES" b="1" dirty="0"/>
+          </a:p>
+        </p:txBody>
+      </p:sp>
+      <p:sp>
+        <p:nvSpPr>
+          <p:cNvPr id="3" name="2 Marcador de contenido"/>
+          <p:cNvSpPr>
+            <a:spLocks noGrp="1"/>
+          </p:cNvSpPr>
+          <p:nvPr>
+            <p:ph idx="1"/>
+          </p:nvPr>
+        </p:nvSpPr>
+        <p:spPr/>
+        <p:txBody>
+          <a:bodyPr/>
+          <a:lstStyle/>
+          <a:p>
+            <a:r>
+              <a:rPr lang="es-ES" dirty="0" smtClean="0"/>
+              <a:t>Página de </a:t>
+            </a:r>
+            <a:r>
+              <a:rPr lang="es-ES" dirty="0"/>
+              <a:t>la librería: </a:t>
+            </a:r>
+            <a:r>
+              <a:rPr lang="es-ES" dirty="0">
+                <a:hlinkClick r:id="rId2"/>
+              </a:rPr>
+              <a:t>http://itextpdf.com</a:t>
+            </a:r>
+            <a:r>
+              <a:rPr lang="es-ES" dirty="0" smtClean="0">
+                <a:hlinkClick r:id="rId2"/>
+              </a:rPr>
+              <a:t>/</a:t>
+            </a:r>
+            <a:endParaRPr lang="es-ES" dirty="0" smtClean="0"/>
+          </a:p>
+          <a:p>
+            <a:r>
+              <a:rPr lang="es-ES" dirty="0" smtClean="0"/>
+              <a:t>Página con un ejemplo sencillo que utilice como modelo: </a:t>
+            </a:r>
+            <a:r>
+              <a:rPr lang="es-ES" dirty="0" smtClean="0">
+                <a:hlinkClick r:id="rId3"/>
+              </a:rPr>
+              <a:t>https</a:t>
+            </a:r>
+            <a:r>
+              <a:rPr lang="es-ES" dirty="0">
+                <a:hlinkClick r:id="rId3"/>
+              </a:rPr>
+              <a:t>://amatellanes.wordpress.com/2013/03/13/ejemplo-sencillo-de-creacion-de-un-pdf-en-android</a:t>
+            </a:r>
+            <a:r>
+              <a:rPr lang="es-ES" dirty="0" smtClean="0">
+                <a:hlinkClick r:id="rId3"/>
+              </a:rPr>
+              <a:t>/</a:t>
+            </a:r>
+            <a:endParaRPr lang="es-ES" dirty="0" smtClean="0"/>
+          </a:p>
+          <a:p>
+            <a:r>
+              <a:rPr lang="es-ES" dirty="0" smtClean="0"/>
+              <a:t>Página con un ejemplo un poco mas complejo sobre </a:t>
+            </a:r>
+            <a:r>
+              <a:rPr lang="es-ES" dirty="0" err="1" smtClean="0"/>
+              <a:t>android</a:t>
+            </a:r>
+            <a:r>
+              <a:rPr lang="es-ES" dirty="0"/>
+              <a:t> Studio: http://movalink.blogspot.com.es/2013/11/generar-un-documento-pdf-en-android.html</a:t>
+            </a:r>
+          </a:p>
+        </p:txBody>
+      </p:sp>
+      <p:sp>
+        <p:nvSpPr>
+          <p:cNvPr id="4" name="3 Marcador de número de diapositiva"/>
+          <p:cNvSpPr>
+            <a:spLocks noGrp="1"/>
+          </p:cNvSpPr>
+          <p:nvPr>
+            <p:ph type="sldNum" sz="quarter" idx="12"/>
+          </p:nvPr>
+        </p:nvSpPr>
+        <p:spPr/>
+        <p:txBody>
+          <a:bodyPr/>
+          <a:lstStyle/>
+          <a:p>
+            <a:fld id="{6E2D2B3B-882E-40F3-A32F-6DD516915044}" type="slidenum">
+              <a:rPr lang="en-US" smtClean="0"/>
+              <a:pPr/>
+              <a:t>16</a:t>
+            </a:fld>
+            <a:endParaRPr lang="en-US"/>
+          </a:p>
+        </p:txBody>
+      </p:sp>
+    </p:spTree>
+    <p:extLst>
+      <p:ext uri="{BB962C8B-B14F-4D97-AF65-F5344CB8AC3E}">
+        <p14:creationId xmlns:p14="http://schemas.microsoft.com/office/powerpoint/2010/main" val="3624251214"/>
+      </p:ext>
+    </p:extLst>
+  </p:cSld>
+  <p:clrMapOvr>
+    <a:masterClrMapping/>
+  </p:clrMapOvr>
 </p:sld>
 </file>
 
@@ -4971,18 +5370,26 @@
           <a:bodyPr/>
           <a:lstStyle/>
           <a:p>
+            <a:pPr marL="114300" indent="0">
+              <a:buNone/>
+            </a:pPr>
             <a:r>
               <a:rPr lang="es-ES" dirty="0"/>
               <a:t>Para crear los documentos PDF, tendremos que darle permisos de escritura a </a:t>
             </a:r>
-          </a:p>
-          <a:p>
+            <a:r>
+              <a:rPr lang="es-ES" dirty="0" smtClean="0"/>
+              <a:t>nuestra </a:t>
+            </a:r>
             <a:r>
               <a:rPr lang="es-ES" dirty="0"/>
-              <a:t>Nuestra aplicación, ya que va a crear archivos dentro de la memoria del dispositivo.</a:t>
-            </a:r>
-          </a:p>
-          <a:p>
+              <a:t>aplicación, ya que va a crear archivos dentro de la memoria del dispositivo.</a:t>
+            </a:r>
+          </a:p>
+          <a:p>
+            <a:pPr marL="114300" indent="0">
+              <a:buNone/>
+            </a:pPr>
             <a:r>
               <a:rPr lang="es-ES" dirty="0"/>
               <a:t>Añadiremos el siguiente permiso a nuestro AndroidManifest.xml</a:t>
@@ -5920,12 +6327,16 @@
               <a:t>La clase documento tiene implementado el método </a:t>
             </a:r>
             <a:r>
-              <a:rPr lang="es-ES" dirty="0" err="1"/>
+              <a:rPr lang="es-ES" b="1" dirty="0" err="1"/>
               <a:t>add</a:t>
             </a:r>
             <a:r>
+              <a:rPr lang="es-ES" b="1" dirty="0"/>
+              <a:t> </a:t>
+            </a:r>
+            <a:r>
               <a:rPr lang="es-ES" dirty="0"/>
-              <a:t> que nos permite añadir elementos a nuestro documento.</a:t>
+              <a:t>que nos permite añadir elementos a nuestro documento.</a:t>
             </a:r>
           </a:p>
           <a:p>
